--- a/Bass_Diffusion_Model/Marketing Analytics_class10.pptx
+++ b/Bass_Diffusion_Model/Marketing Analytics_class10.pptx
@@ -5,7 +5,7 @@
     <p:sldMasterId id="2147483648" r:id="rId1"/>
   </p:sldMasterIdLst>
   <p:notesMasterIdLst>
-    <p:notesMasterId r:id="rId15"/>
+    <p:notesMasterId r:id="rId16"/>
   </p:notesMasterIdLst>
   <p:sldIdLst>
     <p:sldId id="258" r:id="rId2"/>
@@ -21,6 +21,7 @@
     <p:sldId id="268" r:id="rId12"/>
     <p:sldId id="269" r:id="rId13"/>
     <p:sldId id="270" r:id="rId14"/>
+    <p:sldId id="271" r:id="rId15"/>
   </p:sldIdLst>
   <p:sldSz cx="12192000" cy="6858000"/>
   <p:notesSz cx="6858000" cy="9144000"/>
@@ -4088,7 +4089,7 @@
           <a:graphicData uri="http://schemas.openxmlformats.org/presentationml/2006/ole">
             <mc:AlternateContent xmlns:mc="http://schemas.openxmlformats.org/markup-compatibility/2006">
               <mc:Choice xmlns:v="urn:schemas-microsoft-com:vml" Requires="v">
-                <p:oleObj spid="_x0000_s2080" name="Worksheet" showAsIcon="1" r:id="rId3" imgW="914400" imgH="792360" progId="Excel.Sheet.8">
+                <p:oleObj spid="_x0000_s2086" name="Worksheet" showAsIcon="1" r:id="rId3" imgW="914400" imgH="792360" progId="Excel.Sheet.8">
                   <p:embed/>
                 </p:oleObj>
               </mc:Choice>
@@ -4453,7 +4454,7 @@
           <a:graphicData uri="http://schemas.openxmlformats.org/presentationml/2006/ole">
             <mc:AlternateContent xmlns:mc="http://schemas.openxmlformats.org/markup-compatibility/2006">
               <mc:Choice xmlns:v="urn:schemas-microsoft-com:vml" Requires="v">
-                <p:oleObj spid="_x0000_s3076" name="Packager Shell Object" showAsIcon="1" r:id="rId6" imgW="914400" imgH="792360" progId="Package">
+                <p:oleObj spid="_x0000_s3082" name="Packager Shell Object" showAsIcon="1" r:id="rId6" imgW="914400" imgH="792360" progId="Package">
                   <p:embed/>
                 </p:oleObj>
               </mc:Choice>
@@ -4492,6 +4493,119 @@
     <p:extLst>
       <p:ext uri="{BB962C8B-B14F-4D97-AF65-F5344CB8AC3E}">
         <p14:creationId xmlns:p14="http://schemas.microsoft.com/office/powerpoint/2010/main" val="2510812042"/>
+      </p:ext>
+    </p:extLst>
+  </p:cSld>
+  <p:clrMapOvr>
+    <a:masterClrMapping/>
+  </p:clrMapOvr>
+</p:sld>
+</file>
+
+<file path=ppt/slides/slide14.xml><?xml version="1.0" encoding="utf-8"?>
+<p:sld xmlns:a="http://schemas.openxmlformats.org/drawingml/2006/main" xmlns:r="http://schemas.openxmlformats.org/officeDocument/2006/relationships" xmlns:p="http://schemas.openxmlformats.org/presentationml/2006/main">
+  <p:cSld>
+    <p:spTree>
+      <p:nvGrpSpPr>
+        <p:cNvPr id="1" name=""/>
+        <p:cNvGrpSpPr/>
+        <p:nvPr/>
+      </p:nvGrpSpPr>
+      <p:grpSpPr>
+        <a:xfrm>
+          <a:off x="0" y="0"/>
+          <a:ext cx="0" cy="0"/>
+          <a:chOff x="0" y="0"/>
+          <a:chExt cx="0" cy="0"/>
+        </a:xfrm>
+      </p:grpSpPr>
+      <p:sp>
+        <p:nvSpPr>
+          <p:cNvPr id="2" name="Title 1">
+            <a:extLst>
+              <a:ext uri="{FF2B5EF4-FFF2-40B4-BE49-F238E27FC236}">
+                <a16:creationId xmlns:a16="http://schemas.microsoft.com/office/drawing/2014/main" id="{E6B6CE32-EABE-496B-80B8-99FB3E89AB3D}"/>
+              </a:ext>
+            </a:extLst>
+          </p:cNvPr>
+          <p:cNvSpPr>
+            <a:spLocks noGrp="1"/>
+          </p:cNvSpPr>
+          <p:nvPr>
+            <p:ph type="title"/>
+          </p:nvPr>
+        </p:nvSpPr>
+        <p:spPr/>
+        <p:txBody>
+          <a:bodyPr/>
+          <a:lstStyle/>
+          <a:p>
+            <a:r>
+              <a:rPr lang="en-IN" dirty="0"/>
+              <a:t>To Conclude:</a:t>
+            </a:r>
+          </a:p>
+        </p:txBody>
+      </p:sp>
+      <p:sp>
+        <p:nvSpPr>
+          <p:cNvPr id="3" name="Content Placeholder 2">
+            <a:extLst>
+              <a:ext uri="{FF2B5EF4-FFF2-40B4-BE49-F238E27FC236}">
+                <a16:creationId xmlns:a16="http://schemas.microsoft.com/office/drawing/2014/main" id="{F8D1E5DF-AF30-46CF-9C72-DE181A502BFA}"/>
+              </a:ext>
+            </a:extLst>
+          </p:cNvPr>
+          <p:cNvSpPr>
+            <a:spLocks noGrp="1"/>
+          </p:cNvSpPr>
+          <p:nvPr>
+            <p:ph idx="1"/>
+          </p:nvPr>
+        </p:nvSpPr>
+        <p:spPr/>
+        <p:txBody>
+          <a:bodyPr/>
+          <a:lstStyle/>
+          <a:p>
+            <a:r>
+              <a:rPr lang="en-US" dirty="0"/>
+              <a:t>The Bass model breaks down product sales into an innovation (P) and imitation (Q) factor. </a:t>
+            </a:r>
+          </a:p>
+          <a:p>
+            <a:r>
+              <a:rPr lang="en-US" dirty="0"/>
+              <a:t>The GRG </a:t>
+            </a:r>
+            <a:r>
+              <a:rPr lang="en-US" dirty="0" err="1"/>
+              <a:t>Multistart</a:t>
+            </a:r>
+            <a:r>
+              <a:rPr lang="en-US" dirty="0"/>
+              <a:t> Solver Engine can be used to estimate P, Q, and N.</a:t>
+            </a:r>
+          </a:p>
+          <a:p>
+            <a:r>
+              <a:rPr lang="en-US" dirty="0"/>
+              <a:t>By using an analogous product to estimate P and Q and intentions data to estimate N, you can use the Bass model to estimate new product sales before the product is launched.</a:t>
+            </a:r>
+          </a:p>
+          <a:p>
+            <a:r>
+              <a:rPr lang="en-US" dirty="0"/>
+              <a:t>By randomly drawing values of P and Q from a set of analogous products and modeling N as a normal random variable, you can simulate the range of possible product sales.</a:t>
+            </a:r>
+            <a:endParaRPr lang="en-IN" dirty="0"/>
+          </a:p>
+        </p:txBody>
+      </p:sp>
+    </p:spTree>
+    <p:extLst>
+      <p:ext uri="{BB962C8B-B14F-4D97-AF65-F5344CB8AC3E}">
+        <p14:creationId xmlns:p14="http://schemas.microsoft.com/office/powerpoint/2010/main" val="213138682"/>
       </p:ext>
     </p:extLst>
   </p:cSld>
